--- a/LEARNING.NOTE/flex-box.pptx
+++ b/LEARNING.NOTE/flex-box.pptx
@@ -105,6 +105,11 @@
       </a:defRPr>
     </a:lvl9pPr>
   </p:defaultTextStyle>
+  <p:extLst>
+    <p:ext uri="{EFAFB233-063F-42B5-8137-9DF3F51BA10A}">
+      <p15:sldGuideLst xmlns:p15="http://schemas.microsoft.com/office/powerpoint/2012/main"/>
+    </p:ext>
+  </p:extLst>
 </p:presentation>
 </file>
 
@@ -255,7 +260,7 @@
           <a:p>
             <a:fld id="{24CB073D-E15B-4AFA-A533-175A8B3CBE29}" type="datetimeFigureOut">
               <a:rPr lang="en-US" smtClean="0"/>
-              <a:t>11/6/2022</a:t>
+              <a:t>11/6/2023</a:t>
             </a:fld>
             <a:endParaRPr lang="en-US"/>
           </a:p>
@@ -453,7 +458,7 @@
           <a:p>
             <a:fld id="{24CB073D-E15B-4AFA-A533-175A8B3CBE29}" type="datetimeFigureOut">
               <a:rPr lang="en-US" smtClean="0"/>
-              <a:t>11/6/2022</a:t>
+              <a:t>11/6/2023</a:t>
             </a:fld>
             <a:endParaRPr lang="en-US"/>
           </a:p>
@@ -661,7 +666,7 @@
           <a:p>
             <a:fld id="{24CB073D-E15B-4AFA-A533-175A8B3CBE29}" type="datetimeFigureOut">
               <a:rPr lang="en-US" smtClean="0"/>
-              <a:t>11/6/2022</a:t>
+              <a:t>11/6/2023</a:t>
             </a:fld>
             <a:endParaRPr lang="en-US"/>
           </a:p>
@@ -859,7 +864,7 @@
           <a:p>
             <a:fld id="{24CB073D-E15B-4AFA-A533-175A8B3CBE29}" type="datetimeFigureOut">
               <a:rPr lang="en-US" smtClean="0"/>
-              <a:t>11/6/2022</a:t>
+              <a:t>11/6/2023</a:t>
             </a:fld>
             <a:endParaRPr lang="en-US"/>
           </a:p>
@@ -1134,7 +1139,7 @@
           <a:p>
             <a:fld id="{24CB073D-E15B-4AFA-A533-175A8B3CBE29}" type="datetimeFigureOut">
               <a:rPr lang="en-US" smtClean="0"/>
-              <a:t>11/6/2022</a:t>
+              <a:t>11/6/2023</a:t>
             </a:fld>
             <a:endParaRPr lang="en-US"/>
           </a:p>
@@ -1399,7 +1404,7 @@
           <a:p>
             <a:fld id="{24CB073D-E15B-4AFA-A533-175A8B3CBE29}" type="datetimeFigureOut">
               <a:rPr lang="en-US" smtClean="0"/>
-              <a:t>11/6/2022</a:t>
+              <a:t>11/6/2023</a:t>
             </a:fld>
             <a:endParaRPr lang="en-US"/>
           </a:p>
@@ -1811,7 +1816,7 @@
           <a:p>
             <a:fld id="{24CB073D-E15B-4AFA-A533-175A8B3CBE29}" type="datetimeFigureOut">
               <a:rPr lang="en-US" smtClean="0"/>
-              <a:t>11/6/2022</a:t>
+              <a:t>11/6/2023</a:t>
             </a:fld>
             <a:endParaRPr lang="en-US"/>
           </a:p>
@@ -1952,7 +1957,7 @@
           <a:p>
             <a:fld id="{24CB073D-E15B-4AFA-A533-175A8B3CBE29}" type="datetimeFigureOut">
               <a:rPr lang="en-US" smtClean="0"/>
-              <a:t>11/6/2022</a:t>
+              <a:t>11/6/2023</a:t>
             </a:fld>
             <a:endParaRPr lang="en-US"/>
           </a:p>
@@ -2065,7 +2070,7 @@
           <a:p>
             <a:fld id="{24CB073D-E15B-4AFA-A533-175A8B3CBE29}" type="datetimeFigureOut">
               <a:rPr lang="en-US" smtClean="0"/>
-              <a:t>11/6/2022</a:t>
+              <a:t>11/6/2023</a:t>
             </a:fld>
             <a:endParaRPr lang="en-US"/>
           </a:p>
@@ -2376,7 +2381,7 @@
           <a:p>
             <a:fld id="{24CB073D-E15B-4AFA-A533-175A8B3CBE29}" type="datetimeFigureOut">
               <a:rPr lang="en-US" smtClean="0"/>
-              <a:t>11/6/2022</a:t>
+              <a:t>11/6/2023</a:t>
             </a:fld>
             <a:endParaRPr lang="en-US"/>
           </a:p>
@@ -2664,7 +2669,7 @@
           <a:p>
             <a:fld id="{24CB073D-E15B-4AFA-A533-175A8B3CBE29}" type="datetimeFigureOut">
               <a:rPr lang="en-US" smtClean="0"/>
-              <a:t>11/6/2022</a:t>
+              <a:t>11/6/2023</a:t>
             </a:fld>
             <a:endParaRPr lang="en-US"/>
           </a:p>
@@ -2905,7 +2910,7 @@
           <a:p>
             <a:fld id="{24CB073D-E15B-4AFA-A533-175A8B3CBE29}" type="datetimeFigureOut">
               <a:rPr lang="en-US" smtClean="0"/>
-              <a:t>11/6/2022</a:t>
+              <a:t>11/6/2023</a:t>
             </a:fld>
             <a:endParaRPr lang="en-US"/>
           </a:p>
@@ -3420,7 +3425,7 @@
         <p:spPr>
           <a:xfrm>
             <a:off x="1641232" y="1172307"/>
-            <a:ext cx="1500026" cy="369332"/>
+            <a:ext cx="1464760" cy="369332"/>
           </a:xfrm>
           <a:prstGeom prst="rect">
             <a:avLst/>
@@ -3435,8 +3440,1036 @@
           <a:p>
             <a:r>
               <a:rPr lang="en-US" dirty="0"/>
-              <a:t>Flex container</a:t>
-            </a:r>
+              <a:t>flex container</a:t>
+            </a:r>
+          </a:p>
+        </p:txBody>
+      </p:sp>
+      <p:sp>
+        <p:nvSpPr>
+          <p:cNvPr id="3" name="TextBox 2">
+            <a:extLst>
+              <a:ext uri="{FF2B5EF4-FFF2-40B4-BE49-F238E27FC236}">
+                <a16:creationId xmlns:a16="http://schemas.microsoft.com/office/drawing/2014/main" id="{81ADCE66-9EB2-8B63-8D64-A71D2961BFDF}"/>
+              </a:ext>
+            </a:extLst>
+          </p:cNvPr>
+          <p:cNvSpPr txBox="1"/>
+          <p:nvPr/>
+        </p:nvSpPr>
+        <p:spPr>
+          <a:xfrm>
+            <a:off x="1641232" y="1433556"/>
+            <a:ext cx="999441" cy="369332"/>
+          </a:xfrm>
+          <a:prstGeom prst="rect">
+            <a:avLst/>
+          </a:prstGeom>
+          <a:noFill/>
+        </p:spPr>
+        <p:txBody>
+          <a:bodyPr wrap="none" rtlCol="0">
+            <a:spAutoFit/>
+          </a:bodyPr>
+          <a:lstStyle/>
+          <a:p>
+            <a:r>
+              <a:rPr lang="en-US" dirty="0"/>
+              <a:t>flex item</a:t>
+            </a:r>
+          </a:p>
+        </p:txBody>
+      </p:sp>
+      <p:sp>
+        <p:nvSpPr>
+          <p:cNvPr id="4" name="TextBox 3">
+            <a:extLst>
+              <a:ext uri="{FF2B5EF4-FFF2-40B4-BE49-F238E27FC236}">
+                <a16:creationId xmlns:a16="http://schemas.microsoft.com/office/drawing/2014/main" id="{3D24196E-F9EF-4C01-A7C8-93E7A7B6519F}"/>
+              </a:ext>
+            </a:extLst>
+          </p:cNvPr>
+          <p:cNvSpPr txBox="1"/>
+          <p:nvPr/>
+        </p:nvSpPr>
+        <p:spPr>
+          <a:xfrm>
+            <a:off x="3768611" y="1172307"/>
+            <a:ext cx="1294200" cy="369332"/>
+          </a:xfrm>
+          <a:prstGeom prst="rect">
+            <a:avLst/>
+          </a:prstGeom>
+          <a:noFill/>
+        </p:spPr>
+        <p:txBody>
+          <a:bodyPr wrap="none" rtlCol="0">
+            <a:spAutoFit/>
+          </a:bodyPr>
+          <a:lstStyle/>
+          <a:p>
+            <a:r>
+              <a:rPr lang="en-US" dirty="0" err="1"/>
+              <a:t>display:flex</a:t>
+            </a:r>
+            <a:r>
+              <a:rPr lang="en-US" dirty="0"/>
+              <a:t>;</a:t>
+            </a:r>
+          </a:p>
+        </p:txBody>
+      </p:sp>
+      <p:sp>
+        <p:nvSpPr>
+          <p:cNvPr id="5" name="TextBox 4">
+            <a:extLst>
+              <a:ext uri="{FF2B5EF4-FFF2-40B4-BE49-F238E27FC236}">
+                <a16:creationId xmlns:a16="http://schemas.microsoft.com/office/drawing/2014/main" id="{230DE9C3-92F6-41D8-5989-F17A23DC401E}"/>
+              </a:ext>
+            </a:extLst>
+          </p:cNvPr>
+          <p:cNvSpPr txBox="1"/>
+          <p:nvPr/>
+        </p:nvSpPr>
+        <p:spPr>
+          <a:xfrm>
+            <a:off x="1641232" y="679731"/>
+            <a:ext cx="618567" cy="369332"/>
+          </a:xfrm>
+          <a:prstGeom prst="rect">
+            <a:avLst/>
+          </a:prstGeom>
+          <a:noFill/>
+        </p:spPr>
+        <p:txBody>
+          <a:bodyPr wrap="none" rtlCol="0">
+            <a:spAutoFit/>
+          </a:bodyPr>
+          <a:lstStyle/>
+          <a:p>
+            <a:r>
+              <a:rPr lang="en-US" dirty="0"/>
+              <a:t>html</a:t>
+            </a:r>
+          </a:p>
+        </p:txBody>
+      </p:sp>
+      <p:sp>
+        <p:nvSpPr>
+          <p:cNvPr id="8" name="TextBox 7">
+            <a:extLst>
+              <a:ext uri="{FF2B5EF4-FFF2-40B4-BE49-F238E27FC236}">
+                <a16:creationId xmlns:a16="http://schemas.microsoft.com/office/drawing/2014/main" id="{FC6D7821-AE13-B5AC-3FA7-773F91938DD2}"/>
+              </a:ext>
+            </a:extLst>
+          </p:cNvPr>
+          <p:cNvSpPr txBox="1"/>
+          <p:nvPr/>
+        </p:nvSpPr>
+        <p:spPr>
+          <a:xfrm>
+            <a:off x="4020538" y="679731"/>
+            <a:ext cx="461986" cy="369332"/>
+          </a:xfrm>
+          <a:prstGeom prst="rect">
+            <a:avLst/>
+          </a:prstGeom>
+          <a:noFill/>
+        </p:spPr>
+        <p:txBody>
+          <a:bodyPr wrap="none" rtlCol="0">
+            <a:spAutoFit/>
+          </a:bodyPr>
+          <a:lstStyle/>
+          <a:p>
+            <a:r>
+              <a:rPr lang="en-US" dirty="0" err="1"/>
+              <a:t>css</a:t>
+            </a:r>
+            <a:endParaRPr lang="en-US" dirty="0"/>
+          </a:p>
+        </p:txBody>
+      </p:sp>
+      <p:sp>
+        <p:nvSpPr>
+          <p:cNvPr id="9" name="TextBox 8">
+            <a:extLst>
+              <a:ext uri="{FF2B5EF4-FFF2-40B4-BE49-F238E27FC236}">
+                <a16:creationId xmlns:a16="http://schemas.microsoft.com/office/drawing/2014/main" id="{1383A9BE-C1B7-5FA4-2133-1DBB657564B0}"/>
+              </a:ext>
+            </a:extLst>
+          </p:cNvPr>
+          <p:cNvSpPr txBox="1"/>
+          <p:nvPr/>
+        </p:nvSpPr>
+        <p:spPr>
+          <a:xfrm>
+            <a:off x="496912" y="2371910"/>
+            <a:ext cx="1294200" cy="369332"/>
+          </a:xfrm>
+          <a:prstGeom prst="rect">
+            <a:avLst/>
+          </a:prstGeom>
+          <a:noFill/>
+        </p:spPr>
+        <p:txBody>
+          <a:bodyPr wrap="none" rtlCol="0">
+            <a:spAutoFit/>
+          </a:bodyPr>
+          <a:lstStyle/>
+          <a:p>
+            <a:r>
+              <a:rPr lang="en-US" dirty="0" err="1"/>
+              <a:t>display:flex</a:t>
+            </a:r>
+            <a:r>
+              <a:rPr lang="en-US" dirty="0"/>
+              <a:t>;</a:t>
+            </a:r>
+          </a:p>
+        </p:txBody>
+      </p:sp>
+      <p:sp>
+        <p:nvSpPr>
+          <p:cNvPr id="10" name="TextBox 9">
+            <a:extLst>
+              <a:ext uri="{FF2B5EF4-FFF2-40B4-BE49-F238E27FC236}">
+                <a16:creationId xmlns:a16="http://schemas.microsoft.com/office/drawing/2014/main" id="{B7B28CCE-EA22-178E-68DD-EB1DF2295C87}"/>
+              </a:ext>
+            </a:extLst>
+          </p:cNvPr>
+          <p:cNvSpPr txBox="1"/>
+          <p:nvPr/>
+        </p:nvSpPr>
+        <p:spPr>
+          <a:xfrm>
+            <a:off x="6851396" y="2299353"/>
+            <a:ext cx="4727577" cy="369332"/>
+          </a:xfrm>
+          <a:prstGeom prst="rect">
+            <a:avLst/>
+          </a:prstGeom>
+          <a:noFill/>
+        </p:spPr>
+        <p:txBody>
+          <a:bodyPr wrap="none" rtlCol="0">
+            <a:spAutoFit/>
+          </a:bodyPr>
+          <a:lstStyle/>
+          <a:p>
+            <a:pPr algn="r" rtl="1"/>
+            <a:r>
+              <a:rPr lang="fa-IR" dirty="0"/>
+              <a:t>مرتب شدن تگ های فرزند مستقیم بصورت یا افقی یا عمودی</a:t>
+            </a:r>
+            <a:endParaRPr lang="en-US" dirty="0"/>
+          </a:p>
+        </p:txBody>
+      </p:sp>
+      <p:sp>
+        <p:nvSpPr>
+          <p:cNvPr id="11" name="TextBox 10">
+            <a:extLst>
+              <a:ext uri="{FF2B5EF4-FFF2-40B4-BE49-F238E27FC236}">
+                <a16:creationId xmlns:a16="http://schemas.microsoft.com/office/drawing/2014/main" id="{E3067ED9-BC85-4867-628F-72FA5C80505D}"/>
+              </a:ext>
+            </a:extLst>
+          </p:cNvPr>
+          <p:cNvSpPr txBox="1"/>
+          <p:nvPr/>
+        </p:nvSpPr>
+        <p:spPr>
+          <a:xfrm>
+            <a:off x="6898588" y="1734220"/>
+            <a:ext cx="4633192" cy="369332"/>
+          </a:xfrm>
+          <a:prstGeom prst="rect">
+            <a:avLst/>
+          </a:prstGeom>
+          <a:noFill/>
+        </p:spPr>
+        <p:txBody>
+          <a:bodyPr wrap="none" rtlCol="0">
+            <a:spAutoFit/>
+          </a:bodyPr>
+          <a:lstStyle/>
+          <a:p>
+            <a:pPr algn="r" rtl="1"/>
+            <a:r>
+              <a:rPr lang="fa-IR" dirty="0"/>
+              <a:t>جهت چیدمان بر اساس جهت تنظیم شده </a:t>
+            </a:r>
+            <a:r>
+              <a:rPr lang="en-US" dirty="0"/>
+              <a:t>direction</a:t>
+            </a:r>
+            <a:r>
+              <a:rPr lang="fa-IR" dirty="0"/>
+              <a:t> می باشد</a:t>
+            </a:r>
+            <a:endParaRPr lang="en-US" dirty="0"/>
+          </a:p>
+        </p:txBody>
+      </p:sp>
+      <p:sp>
+        <p:nvSpPr>
+          <p:cNvPr id="12" name="TextBox 11">
+            <a:extLst>
+              <a:ext uri="{FF2B5EF4-FFF2-40B4-BE49-F238E27FC236}">
+                <a16:creationId xmlns:a16="http://schemas.microsoft.com/office/drawing/2014/main" id="{42E31FFB-9331-70D7-4353-CF1A15518DDE}"/>
+              </a:ext>
+            </a:extLst>
+          </p:cNvPr>
+          <p:cNvSpPr txBox="1"/>
+          <p:nvPr/>
+        </p:nvSpPr>
+        <p:spPr>
+          <a:xfrm>
+            <a:off x="496912" y="2864486"/>
+            <a:ext cx="5488747" cy="369332"/>
+          </a:xfrm>
+          <a:prstGeom prst="rect">
+            <a:avLst/>
+          </a:prstGeom>
+          <a:noFill/>
+        </p:spPr>
+        <p:txBody>
+          <a:bodyPr wrap="none" rtlCol="0">
+            <a:spAutoFit/>
+          </a:bodyPr>
+          <a:lstStyle/>
+          <a:p>
+            <a:r>
+              <a:rPr lang="en-US" dirty="0" err="1"/>
+              <a:t>Flex-direction:row</a:t>
+            </a:r>
+            <a:r>
+              <a:rPr lang="en-US" dirty="0"/>
+              <a:t>[row-</a:t>
+            </a:r>
+            <a:r>
+              <a:rPr lang="en-US" dirty="0" err="1"/>
+              <a:t>reverse,column,column</a:t>
+            </a:r>
+            <a:r>
+              <a:rPr lang="en-US" dirty="0"/>
+              <a:t>-reverse];</a:t>
+            </a:r>
+          </a:p>
+        </p:txBody>
+      </p:sp>
+      <p:sp>
+        <p:nvSpPr>
+          <p:cNvPr id="13" name="TextBox 12">
+            <a:extLst>
+              <a:ext uri="{FF2B5EF4-FFF2-40B4-BE49-F238E27FC236}">
+                <a16:creationId xmlns:a16="http://schemas.microsoft.com/office/drawing/2014/main" id="{06E63310-E0A5-D9C0-83A7-867E9314B405}"/>
+              </a:ext>
+            </a:extLst>
+          </p:cNvPr>
+          <p:cNvSpPr txBox="1"/>
+          <p:nvPr/>
+        </p:nvSpPr>
+        <p:spPr>
+          <a:xfrm>
+            <a:off x="8661187" y="2864486"/>
+            <a:ext cx="2917786" cy="369332"/>
+          </a:xfrm>
+          <a:prstGeom prst="rect">
+            <a:avLst/>
+          </a:prstGeom>
+          <a:noFill/>
+        </p:spPr>
+        <p:txBody>
+          <a:bodyPr wrap="none" rtlCol="0">
+            <a:spAutoFit/>
+          </a:bodyPr>
+          <a:lstStyle/>
+          <a:p>
+            <a:pPr algn="r" rtl="1"/>
+            <a:r>
+              <a:rPr lang="fa-IR" dirty="0"/>
+              <a:t>نحوه چیدمان افقی یا عمودی فرزندان</a:t>
+            </a:r>
+            <a:endParaRPr lang="en-US" dirty="0"/>
+          </a:p>
+        </p:txBody>
+      </p:sp>
+      <p:sp>
+        <p:nvSpPr>
+          <p:cNvPr id="14" name="TextBox 13">
+            <a:extLst>
+              <a:ext uri="{FF2B5EF4-FFF2-40B4-BE49-F238E27FC236}">
+                <a16:creationId xmlns:a16="http://schemas.microsoft.com/office/drawing/2014/main" id="{2302FB2A-6CD7-6285-79B7-9519D3B38D0C}"/>
+              </a:ext>
+            </a:extLst>
+          </p:cNvPr>
+          <p:cNvSpPr txBox="1"/>
+          <p:nvPr/>
+        </p:nvSpPr>
+        <p:spPr>
+          <a:xfrm>
+            <a:off x="496912" y="3368340"/>
+            <a:ext cx="3938129" cy="369332"/>
+          </a:xfrm>
+          <a:prstGeom prst="rect">
+            <a:avLst/>
+          </a:prstGeom>
+          <a:noFill/>
+        </p:spPr>
+        <p:txBody>
+          <a:bodyPr wrap="none" rtlCol="0">
+            <a:spAutoFit/>
+          </a:bodyPr>
+          <a:lstStyle/>
+          <a:p>
+            <a:r>
+              <a:rPr lang="en-US" dirty="0" err="1"/>
+              <a:t>flex-wrap:no-wrap</a:t>
+            </a:r>
+            <a:r>
+              <a:rPr lang="en-US" dirty="0"/>
+              <a:t>[</a:t>
+            </a:r>
+            <a:r>
+              <a:rPr lang="en-US" dirty="0" err="1"/>
+              <a:t>wrap,wrap</a:t>
+            </a:r>
+            <a:r>
+              <a:rPr lang="en-US" dirty="0"/>
+              <a:t>-reverse];</a:t>
+            </a:r>
+          </a:p>
+        </p:txBody>
+      </p:sp>
+      <p:sp>
+        <p:nvSpPr>
+          <p:cNvPr id="15" name="TextBox 14">
+            <a:extLst>
+              <a:ext uri="{FF2B5EF4-FFF2-40B4-BE49-F238E27FC236}">
+                <a16:creationId xmlns:a16="http://schemas.microsoft.com/office/drawing/2014/main" id="{6283C1D1-8181-8FC7-93C5-40635822D71A}"/>
+              </a:ext>
+            </a:extLst>
+          </p:cNvPr>
+          <p:cNvSpPr txBox="1"/>
+          <p:nvPr/>
+        </p:nvSpPr>
+        <p:spPr>
+          <a:xfrm>
+            <a:off x="7343518" y="3368340"/>
+            <a:ext cx="4235455" cy="369332"/>
+          </a:xfrm>
+          <a:prstGeom prst="rect">
+            <a:avLst/>
+          </a:prstGeom>
+          <a:noFill/>
+        </p:spPr>
+        <p:txBody>
+          <a:bodyPr wrap="none" rtlCol="0">
+            <a:spAutoFit/>
+          </a:bodyPr>
+          <a:lstStyle/>
+          <a:p>
+            <a:pPr algn="r" rtl="1"/>
+            <a:r>
+              <a:rPr lang="fa-IR" dirty="0"/>
+              <a:t>شکست چیدمان فرزندان در صورت نبودن فضای کافی</a:t>
+            </a:r>
+            <a:endParaRPr lang="en-US" dirty="0"/>
+          </a:p>
+        </p:txBody>
+      </p:sp>
+      <p:sp>
+        <p:nvSpPr>
+          <p:cNvPr id="16" name="TextBox 15">
+            <a:extLst>
+              <a:ext uri="{FF2B5EF4-FFF2-40B4-BE49-F238E27FC236}">
+                <a16:creationId xmlns:a16="http://schemas.microsoft.com/office/drawing/2014/main" id="{7A8288F8-3B2D-0F1E-6252-46C89C3CAFC7}"/>
+              </a:ext>
+            </a:extLst>
+          </p:cNvPr>
+          <p:cNvSpPr txBox="1"/>
+          <p:nvPr/>
+        </p:nvSpPr>
+        <p:spPr>
+          <a:xfrm>
+            <a:off x="496912" y="3743510"/>
+            <a:ext cx="5032724" cy="369332"/>
+          </a:xfrm>
+          <a:prstGeom prst="rect">
+            <a:avLst/>
+          </a:prstGeom>
+          <a:noFill/>
+        </p:spPr>
+        <p:txBody>
+          <a:bodyPr wrap="none" rtlCol="0">
+            <a:spAutoFit/>
+          </a:bodyPr>
+          <a:lstStyle/>
+          <a:p>
+            <a:r>
+              <a:rPr lang="en-US" dirty="0" err="1"/>
+              <a:t>flex-flow:row</a:t>
+            </a:r>
+            <a:r>
+              <a:rPr lang="en-US" dirty="0"/>
+              <a:t> wrap[row-</a:t>
+            </a:r>
+            <a:r>
+              <a:rPr lang="en-US" dirty="0" err="1"/>
+              <a:t>reverse,column</a:t>
+            </a:r>
+            <a:r>
+              <a:rPr lang="en-US" dirty="0"/>
+              <a:t> </a:t>
+            </a:r>
+            <a:r>
+              <a:rPr lang="en-US" dirty="0" err="1"/>
+              <a:t>nowrap</a:t>
+            </a:r>
+            <a:r>
+              <a:rPr lang="en-US" dirty="0"/>
+              <a:t>,…];</a:t>
+            </a:r>
+          </a:p>
+        </p:txBody>
+      </p:sp>
+      <p:sp>
+        <p:nvSpPr>
+          <p:cNvPr id="17" name="TextBox 16">
+            <a:extLst>
+              <a:ext uri="{FF2B5EF4-FFF2-40B4-BE49-F238E27FC236}">
+                <a16:creationId xmlns:a16="http://schemas.microsoft.com/office/drawing/2014/main" id="{1FF21758-6D68-CA61-00A5-F0B77DEA555D}"/>
+              </a:ext>
+            </a:extLst>
+          </p:cNvPr>
+          <p:cNvSpPr txBox="1"/>
+          <p:nvPr/>
+        </p:nvSpPr>
+        <p:spPr>
+          <a:xfrm>
+            <a:off x="8871179" y="3743510"/>
+            <a:ext cx="2707794" cy="369332"/>
+          </a:xfrm>
+          <a:prstGeom prst="rect">
+            <a:avLst/>
+          </a:prstGeom>
+          <a:noFill/>
+        </p:spPr>
+        <p:txBody>
+          <a:bodyPr wrap="none" rtlCol="0">
+            <a:spAutoFit/>
+          </a:bodyPr>
+          <a:lstStyle/>
+          <a:p>
+            <a:pPr algn="r" rtl="1"/>
+            <a:r>
+              <a:rPr lang="fa-IR" dirty="0"/>
+              <a:t>گزینه سریع برای دو ویژگی قبلی</a:t>
+            </a:r>
+            <a:endParaRPr lang="en-US" dirty="0"/>
+          </a:p>
+        </p:txBody>
+      </p:sp>
+      <p:sp>
+        <p:nvSpPr>
+          <p:cNvPr id="18" name="TextBox 17">
+            <a:extLst>
+              <a:ext uri="{FF2B5EF4-FFF2-40B4-BE49-F238E27FC236}">
+                <a16:creationId xmlns:a16="http://schemas.microsoft.com/office/drawing/2014/main" id="{1917DDD3-A98A-11D5-3FC2-D79B8B5B850A}"/>
+              </a:ext>
+            </a:extLst>
+          </p:cNvPr>
+          <p:cNvSpPr txBox="1"/>
+          <p:nvPr/>
+        </p:nvSpPr>
+        <p:spPr>
+          <a:xfrm>
+            <a:off x="486676" y="4112842"/>
+            <a:ext cx="1963936" cy="369332"/>
+          </a:xfrm>
+          <a:prstGeom prst="rect">
+            <a:avLst/>
+          </a:prstGeom>
+          <a:noFill/>
+        </p:spPr>
+        <p:txBody>
+          <a:bodyPr wrap="none" rtlCol="0">
+            <a:spAutoFit/>
+          </a:bodyPr>
+          <a:lstStyle/>
+          <a:p>
+            <a:r>
+              <a:rPr lang="en-US" dirty="0"/>
+              <a:t>flex-grow:1[2,3,…];</a:t>
+            </a:r>
+          </a:p>
+        </p:txBody>
+      </p:sp>
+      <p:sp>
+        <p:nvSpPr>
+          <p:cNvPr id="19" name="TextBox 18">
+            <a:extLst>
+              <a:ext uri="{FF2B5EF4-FFF2-40B4-BE49-F238E27FC236}">
+                <a16:creationId xmlns:a16="http://schemas.microsoft.com/office/drawing/2014/main" id="{85D838EB-A4C8-A1C4-440B-DBEFD4686193}"/>
+              </a:ext>
+            </a:extLst>
+          </p:cNvPr>
+          <p:cNvSpPr txBox="1"/>
+          <p:nvPr/>
+        </p:nvSpPr>
+        <p:spPr>
+          <a:xfrm>
+            <a:off x="6320185" y="4112842"/>
+            <a:ext cx="5248552" cy="369332"/>
+          </a:xfrm>
+          <a:prstGeom prst="rect">
+            <a:avLst/>
+          </a:prstGeom>
+          <a:noFill/>
+        </p:spPr>
+        <p:txBody>
+          <a:bodyPr wrap="none" rtlCol="0">
+            <a:spAutoFit/>
+          </a:bodyPr>
+          <a:lstStyle/>
+          <a:p>
+            <a:pPr algn="r" rtl="1"/>
+            <a:r>
+              <a:rPr lang="fa-IR" dirty="0"/>
+              <a:t>رشد کردن: نسبتی ازفضای افقی باقیمانده به این فرزند داده می شود</a:t>
+            </a:r>
+            <a:endParaRPr lang="en-US" dirty="0"/>
+          </a:p>
+        </p:txBody>
+      </p:sp>
+      <p:sp>
+        <p:nvSpPr>
+          <p:cNvPr id="20" name="TextBox 19">
+            <a:extLst>
+              <a:ext uri="{FF2B5EF4-FFF2-40B4-BE49-F238E27FC236}">
+                <a16:creationId xmlns:a16="http://schemas.microsoft.com/office/drawing/2014/main" id="{CFACE483-4B73-C779-6F7F-8F05B9B8058A}"/>
+              </a:ext>
+            </a:extLst>
+          </p:cNvPr>
+          <p:cNvSpPr txBox="1"/>
+          <p:nvPr/>
+        </p:nvSpPr>
+        <p:spPr>
+          <a:xfrm>
+            <a:off x="496912" y="4478140"/>
+            <a:ext cx="2051908" cy="369332"/>
+          </a:xfrm>
+          <a:prstGeom prst="rect">
+            <a:avLst/>
+          </a:prstGeom>
+          <a:noFill/>
+        </p:spPr>
+        <p:txBody>
+          <a:bodyPr wrap="none" rtlCol="0">
+            <a:spAutoFit/>
+          </a:bodyPr>
+          <a:lstStyle/>
+          <a:p>
+            <a:r>
+              <a:rPr lang="en-US" dirty="0"/>
+              <a:t>flex-shrink:1[2,3,…];</a:t>
+            </a:r>
+          </a:p>
+        </p:txBody>
+      </p:sp>
+      <p:sp>
+        <p:nvSpPr>
+          <p:cNvPr id="21" name="TextBox 20">
+            <a:extLst>
+              <a:ext uri="{FF2B5EF4-FFF2-40B4-BE49-F238E27FC236}">
+                <a16:creationId xmlns:a16="http://schemas.microsoft.com/office/drawing/2014/main" id="{81CC20F7-36BC-BE5A-4004-25C1F47A7598}"/>
+              </a:ext>
+            </a:extLst>
+          </p:cNvPr>
+          <p:cNvSpPr txBox="1"/>
+          <p:nvPr/>
+        </p:nvSpPr>
+        <p:spPr>
+          <a:xfrm>
+            <a:off x="4971074" y="4478140"/>
+            <a:ext cx="6607899" cy="369332"/>
+          </a:xfrm>
+          <a:prstGeom prst="rect">
+            <a:avLst/>
+          </a:prstGeom>
+          <a:noFill/>
+        </p:spPr>
+        <p:txBody>
+          <a:bodyPr wrap="none" rtlCol="0">
+            <a:spAutoFit/>
+          </a:bodyPr>
+          <a:lstStyle/>
+          <a:p>
+            <a:pPr algn="r" rtl="1"/>
+            <a:r>
+              <a:rPr lang="fa-IR" dirty="0"/>
+              <a:t>کوچک کردن: نسبتی ازفضای افقی (محتوا) اضافه بر عرض از این فرزند کم می شود</a:t>
+            </a:r>
+            <a:endParaRPr lang="en-US" dirty="0"/>
+          </a:p>
+        </p:txBody>
+      </p:sp>
+      <p:sp>
+        <p:nvSpPr>
+          <p:cNvPr id="22" name="TextBox 21">
+            <a:extLst>
+              <a:ext uri="{FF2B5EF4-FFF2-40B4-BE49-F238E27FC236}">
+                <a16:creationId xmlns:a16="http://schemas.microsoft.com/office/drawing/2014/main" id="{C81F626C-0708-375C-322D-73BCC243AB71}"/>
+              </a:ext>
+            </a:extLst>
+          </p:cNvPr>
+          <p:cNvSpPr txBox="1"/>
+          <p:nvPr/>
+        </p:nvSpPr>
+        <p:spPr>
+          <a:xfrm>
+            <a:off x="496912" y="4847472"/>
+            <a:ext cx="2254079" cy="369332"/>
+          </a:xfrm>
+          <a:prstGeom prst="rect">
+            <a:avLst/>
+          </a:prstGeom>
+          <a:noFill/>
+        </p:spPr>
+        <p:txBody>
+          <a:bodyPr wrap="none" rtlCol="0">
+            <a:spAutoFit/>
+          </a:bodyPr>
+          <a:lstStyle/>
+          <a:p>
+            <a:r>
+              <a:rPr lang="en-US" dirty="0"/>
+              <a:t>flex-basis:1px[auto,0];</a:t>
+            </a:r>
+          </a:p>
+        </p:txBody>
+      </p:sp>
+      <p:sp>
+        <p:nvSpPr>
+          <p:cNvPr id="23" name="TextBox 22">
+            <a:extLst>
+              <a:ext uri="{FF2B5EF4-FFF2-40B4-BE49-F238E27FC236}">
+                <a16:creationId xmlns:a16="http://schemas.microsoft.com/office/drawing/2014/main" id="{0E536B84-6CCA-6EF9-7DB4-194D44F0083A}"/>
+              </a:ext>
+            </a:extLst>
+          </p:cNvPr>
+          <p:cNvSpPr txBox="1"/>
+          <p:nvPr/>
+        </p:nvSpPr>
+        <p:spPr>
+          <a:xfrm>
+            <a:off x="2876591" y="4847472"/>
+            <a:ext cx="8702382" cy="923330"/>
+          </a:xfrm>
+          <a:prstGeom prst="rect">
+            <a:avLst/>
+          </a:prstGeom>
+          <a:noFill/>
+        </p:spPr>
+        <p:txBody>
+          <a:bodyPr wrap="none" rtlCol="0">
+            <a:spAutoFit/>
+          </a:bodyPr>
+          <a:lstStyle/>
+          <a:p>
+            <a:pPr algn="r" rtl="1"/>
+            <a:r>
+              <a:rPr lang="fa-IR" dirty="0"/>
+              <a:t>پهنا یا ارتفاع فرزند براساس عمودی یا افقی بودن </a:t>
+            </a:r>
+            <a:r>
+              <a:rPr lang="en-US" dirty="0"/>
+              <a:t>flex-</a:t>
+            </a:r>
+            <a:r>
+              <a:rPr lang="en-US" dirty="0" err="1"/>
+              <a:t>directin</a:t>
+            </a:r>
+            <a:r>
+              <a:rPr lang="fa-IR" dirty="0"/>
+              <a:t> در حالت </a:t>
+            </a:r>
+            <a:r>
+              <a:rPr lang="en-US" dirty="0"/>
+              <a:t>auto</a:t>
+            </a:r>
+            <a:r>
+              <a:rPr lang="fa-IR" dirty="0"/>
+              <a:t> مقدار تنظیم شده تگ را می گیرد</a:t>
+            </a:r>
+          </a:p>
+          <a:p>
+            <a:pPr algn="r" rtl="1"/>
+            <a:r>
+              <a:rPr lang="fa-IR" dirty="0"/>
+              <a:t>البته در محدوده تنظیم شده </a:t>
+            </a:r>
+            <a:r>
+              <a:rPr lang="en-US" dirty="0"/>
+              <a:t>min-width</a:t>
+            </a:r>
+            <a:r>
+              <a:rPr lang="fa-IR" dirty="0"/>
+              <a:t> و </a:t>
+            </a:r>
+            <a:r>
+              <a:rPr lang="en-US" dirty="0"/>
+              <a:t>max-width</a:t>
+            </a:r>
+            <a:r>
+              <a:rPr lang="fa-IR" dirty="0"/>
+              <a:t> یا </a:t>
+            </a:r>
+            <a:r>
+              <a:rPr lang="en-US" dirty="0"/>
+              <a:t>min-</a:t>
+            </a:r>
+            <a:r>
+              <a:rPr lang="en-US" dirty="0" err="1"/>
+              <a:t>heigth</a:t>
+            </a:r>
+            <a:r>
+              <a:rPr lang="fa-IR" dirty="0"/>
+              <a:t> و </a:t>
+            </a:r>
+            <a:r>
+              <a:rPr lang="en-US" dirty="0"/>
+              <a:t>max-height</a:t>
+            </a:r>
+          </a:p>
+          <a:p>
+            <a:pPr algn="r" rtl="1"/>
+            <a:r>
+              <a:rPr lang="fa-IR" dirty="0"/>
+              <a:t>مقدار 0 پهنا یا ارتفاع را به اندازه بزرگترین کلمه محتوا در نظر می گیرد</a:t>
+            </a:r>
+            <a:endParaRPr lang="en-US" dirty="0"/>
+          </a:p>
+        </p:txBody>
+      </p:sp>
+      <p:sp>
+        <p:nvSpPr>
+          <p:cNvPr id="24" name="TextBox 23">
+            <a:extLst>
+              <a:ext uri="{FF2B5EF4-FFF2-40B4-BE49-F238E27FC236}">
+                <a16:creationId xmlns:a16="http://schemas.microsoft.com/office/drawing/2014/main" id="{271AEDAB-41E1-9D82-F652-4EE24737CC9B}"/>
+              </a:ext>
+            </a:extLst>
+          </p:cNvPr>
+          <p:cNvSpPr txBox="1"/>
+          <p:nvPr/>
+        </p:nvSpPr>
+        <p:spPr>
+          <a:xfrm>
+            <a:off x="486676" y="5722462"/>
+            <a:ext cx="1317925" cy="369332"/>
+          </a:xfrm>
+          <a:prstGeom prst="rect">
+            <a:avLst/>
+          </a:prstGeom>
+          <a:noFill/>
+        </p:spPr>
+        <p:txBody>
+          <a:bodyPr wrap="none" rtlCol="0">
+            <a:spAutoFit/>
+          </a:bodyPr>
+          <a:lstStyle/>
+          <a:p>
+            <a:r>
+              <a:rPr lang="en-US" dirty="0"/>
+              <a:t>flex:1 1 2px;</a:t>
+            </a:r>
+          </a:p>
+        </p:txBody>
+      </p:sp>
+      <p:sp>
+        <p:nvSpPr>
+          <p:cNvPr id="25" name="TextBox 24">
+            <a:extLst>
+              <a:ext uri="{FF2B5EF4-FFF2-40B4-BE49-F238E27FC236}">
+                <a16:creationId xmlns:a16="http://schemas.microsoft.com/office/drawing/2014/main" id="{4A6BE16F-0969-E7A3-2981-4FF875106A8B}"/>
+              </a:ext>
+            </a:extLst>
+          </p:cNvPr>
+          <p:cNvSpPr txBox="1"/>
+          <p:nvPr/>
+        </p:nvSpPr>
+        <p:spPr>
+          <a:xfrm>
+            <a:off x="5879359" y="5722462"/>
+            <a:ext cx="5689378" cy="369332"/>
+          </a:xfrm>
+          <a:prstGeom prst="rect">
+            <a:avLst/>
+          </a:prstGeom>
+          <a:noFill/>
+        </p:spPr>
+        <p:txBody>
+          <a:bodyPr wrap="none" rtlCol="0">
+            <a:spAutoFit/>
+          </a:bodyPr>
+          <a:lstStyle/>
+          <a:p>
+            <a:pPr algn="r" rtl="1"/>
+            <a:r>
+              <a:rPr lang="fa-IR" dirty="0"/>
+              <a:t>گزینه سریع برای سه مورد قبلی برای فرزند. رشد، کوچک شدن وعرض</a:t>
+            </a:r>
+            <a:endParaRPr lang="en-US" dirty="0"/>
+          </a:p>
+        </p:txBody>
+      </p:sp>
+      <p:sp>
+        <p:nvSpPr>
+          <p:cNvPr id="26" name="TextBox 25">
+            <a:extLst>
+              <a:ext uri="{FF2B5EF4-FFF2-40B4-BE49-F238E27FC236}">
+                <a16:creationId xmlns:a16="http://schemas.microsoft.com/office/drawing/2014/main" id="{01B19705-2673-AC17-435A-874FB9E88CD4}"/>
+              </a:ext>
+            </a:extLst>
+          </p:cNvPr>
+          <p:cNvSpPr txBox="1"/>
+          <p:nvPr/>
+        </p:nvSpPr>
+        <p:spPr>
+          <a:xfrm>
+            <a:off x="496912" y="6046686"/>
+            <a:ext cx="1178528" cy="369332"/>
+          </a:xfrm>
+          <a:prstGeom prst="rect">
+            <a:avLst/>
+          </a:prstGeom>
+          <a:noFill/>
+        </p:spPr>
+        <p:txBody>
+          <a:bodyPr wrap="none" rtlCol="0">
+            <a:spAutoFit/>
+          </a:bodyPr>
+          <a:lstStyle/>
+          <a:p>
+            <a:r>
+              <a:rPr lang="en-US" dirty="0"/>
+              <a:t>Align-self:;</a:t>
+            </a:r>
+          </a:p>
+        </p:txBody>
+      </p:sp>
+      <p:sp>
+        <p:nvSpPr>
+          <p:cNvPr id="27" name="TextBox 26">
+            <a:extLst>
+              <a:ext uri="{FF2B5EF4-FFF2-40B4-BE49-F238E27FC236}">
+                <a16:creationId xmlns:a16="http://schemas.microsoft.com/office/drawing/2014/main" id="{5E66A97B-0185-D654-0E8E-17DD4E7089A7}"/>
+              </a:ext>
+            </a:extLst>
+          </p:cNvPr>
+          <p:cNvSpPr txBox="1"/>
+          <p:nvPr/>
+        </p:nvSpPr>
+        <p:spPr>
+          <a:xfrm>
+            <a:off x="6756819" y="6046686"/>
+            <a:ext cx="4822154" cy="369332"/>
+          </a:xfrm>
+          <a:prstGeom prst="rect">
+            <a:avLst/>
+          </a:prstGeom>
+          <a:noFill/>
+        </p:spPr>
+        <p:txBody>
+          <a:bodyPr wrap="none" rtlCol="0">
+            <a:spAutoFit/>
+          </a:bodyPr>
+          <a:lstStyle/>
+          <a:p>
+            <a:pPr algn="r" rtl="1"/>
+            <a:r>
+              <a:rPr lang="fa-IR"/>
+              <a:t>نحوه ترازبندی یک </a:t>
+            </a:r>
+            <a:r>
+              <a:rPr lang="fa-IR" dirty="0"/>
+              <a:t>فرزند وقتی می خواهیم با بقیه متفاوت باشد</a:t>
+            </a:r>
+            <a:endParaRPr lang="en-US" dirty="0"/>
+          </a:p>
+        </p:txBody>
+      </p:sp>
+      <p:sp>
+        <p:nvSpPr>
+          <p:cNvPr id="28" name="TextBox 27">
+            <a:extLst>
+              <a:ext uri="{FF2B5EF4-FFF2-40B4-BE49-F238E27FC236}">
+                <a16:creationId xmlns:a16="http://schemas.microsoft.com/office/drawing/2014/main" id="{B9C22FB9-135A-0954-7093-124EE3C6E85D}"/>
+              </a:ext>
+            </a:extLst>
+          </p:cNvPr>
+          <p:cNvSpPr txBox="1"/>
+          <p:nvPr/>
+        </p:nvSpPr>
+        <p:spPr>
+          <a:xfrm>
+            <a:off x="496912" y="6322570"/>
+            <a:ext cx="1366784" cy="369332"/>
+          </a:xfrm>
+          <a:prstGeom prst="rect">
+            <a:avLst/>
+          </a:prstGeom>
+          <a:noFill/>
+        </p:spPr>
+        <p:txBody>
+          <a:bodyPr wrap="none" rtlCol="0">
+            <a:spAutoFit/>
+          </a:bodyPr>
+          <a:lstStyle/>
+          <a:p>
+            <a:r>
+              <a:rPr lang="en-US" dirty="0"/>
+              <a:t>Align-items:;</a:t>
+            </a:r>
+          </a:p>
+        </p:txBody>
+      </p:sp>
+      <p:sp>
+        <p:nvSpPr>
+          <p:cNvPr id="29" name="TextBox 28">
+            <a:extLst>
+              <a:ext uri="{FF2B5EF4-FFF2-40B4-BE49-F238E27FC236}">
+                <a16:creationId xmlns:a16="http://schemas.microsoft.com/office/drawing/2014/main" id="{94A8CA1E-5635-BBAF-D921-AE96B12899B1}"/>
+              </a:ext>
+            </a:extLst>
+          </p:cNvPr>
+          <p:cNvSpPr txBox="1"/>
+          <p:nvPr/>
+        </p:nvSpPr>
+        <p:spPr>
+          <a:xfrm>
+            <a:off x="8733321" y="6322570"/>
+            <a:ext cx="2845652" cy="369332"/>
+          </a:xfrm>
+          <a:prstGeom prst="rect">
+            <a:avLst/>
+          </a:prstGeom>
+          <a:noFill/>
+        </p:spPr>
+        <p:txBody>
+          <a:bodyPr wrap="none" rtlCol="0">
+            <a:spAutoFit/>
+          </a:bodyPr>
+          <a:lstStyle/>
+          <a:p>
+            <a:pPr algn="r" rtl="1"/>
+            <a:r>
+              <a:rPr lang="fa-IR" dirty="0"/>
+              <a:t>نحوه ترازبندی فرزندان از یک وجه</a:t>
+            </a:r>
+            <a:endParaRPr lang="en-US" dirty="0"/>
           </a:p>
         </p:txBody>
       </p:sp>
